--- a/Présentation/Présentation_APP4S4.pptx
+++ b/Présentation/Présentation_APP4S4.pptx
@@ -115,6 +115,11 @@
       </a:defRPr>
     </a:lvl9pPr>
   </p:defaultTextStyle>
+  <p:extLst>
+    <p:ext uri="{EFAFB233-063F-42B5-8137-9DF3F51BA10A}">
+      <p15:sldGuideLst xmlns:p15="http://schemas.microsoft.com/office/powerpoint/2012/main"/>
+    </p:ext>
+  </p:extLst>
 </p:presentation>
 </file>
 
@@ -3940,7 +3945,7 @@
           </a:bodyPr>
           <a:lstStyle/>
           <a:p>
-            <a:endParaRPr lang="en-US" sz="2400">
+            <a:endParaRPr lang="en-US" sz="2400" dirty="0">
               <a:solidFill>
                 <a:schemeClr val="bg1"/>
               </a:solidFill>
@@ -3956,7 +3961,7 @@
         </p:nvSpPr>
         <p:spPr>
           <a:xfrm>
-            <a:off x="5356384" y="2965938"/>
+            <a:off x="5356212" y="2537190"/>
             <a:ext cx="1406769" cy="926123"/>
           </a:xfrm>
           <a:prstGeom prst="rect">
@@ -4003,7 +4008,7 @@
         </p:nvSpPr>
         <p:spPr>
           <a:xfrm>
-            <a:off x="7318907" y="2965938"/>
+            <a:off x="7318735" y="2537190"/>
             <a:ext cx="1406769" cy="926123"/>
           </a:xfrm>
           <a:prstGeom prst="rect">
@@ -4050,7 +4055,7 @@
         </p:nvSpPr>
         <p:spPr>
           <a:xfrm>
-            <a:off x="9279446" y="2965938"/>
+            <a:off x="9292542" y="2537189"/>
             <a:ext cx="1406769" cy="926123"/>
           </a:xfrm>
           <a:prstGeom prst="rect">
@@ -4186,7 +4191,7 @@
         </p:nvCxnSpPr>
         <p:spPr>
           <a:xfrm>
-            <a:off x="6763153" y="3429000"/>
+            <a:off x="6762981" y="3000252"/>
             <a:ext cx="555754" cy="0"/>
           </a:xfrm>
           <a:prstGeom prst="straightConnector1">
@@ -4221,9 +4226,9 @@
           <p:nvPr/>
         </p:nvCxnSpPr>
         <p:spPr>
-          <a:xfrm>
-            <a:off x="8725676" y="3429000"/>
-            <a:ext cx="553770" cy="0"/>
+          <a:xfrm flipV="1">
+            <a:off x="8725504" y="3000251"/>
+            <a:ext cx="567038" cy="1"/>
           </a:xfrm>
           <a:prstGeom prst="straightConnector1">
             <a:avLst/>
@@ -4291,7 +4296,7 @@
         </p:nvSpPr>
         <p:spPr>
           <a:xfrm>
-            <a:off x="9279446" y="4355123"/>
+            <a:off x="9278815" y="3767835"/>
             <a:ext cx="1406769" cy="926123"/>
           </a:xfrm>
           <a:prstGeom prst="rect">
@@ -4340,9 +4345,9 @@
           <p:nvPr/>
         </p:nvCxnSpPr>
         <p:spPr>
-          <a:xfrm>
-            <a:off x="9982831" y="3892061"/>
-            <a:ext cx="0" cy="463062"/>
+          <a:xfrm flipH="1">
+            <a:off x="9982200" y="3463312"/>
+            <a:ext cx="13727" cy="304523"/>
           </a:xfrm>
           <a:prstGeom prst="straightConnector1">
             <a:avLst/>
@@ -4399,9 +4404,123 @@
           <p:nvPr/>
         </p:nvCxnSpPr>
         <p:spPr>
+          <a:xfrm>
+            <a:off x="6059597" y="3463313"/>
+            <a:ext cx="0" cy="1535171"/>
+          </a:xfrm>
+          <a:prstGeom prst="straightConnector1">
+            <a:avLst/>
+          </a:prstGeom>
+          <a:ln>
+            <a:tailEnd type="triangle"/>
+          </a:ln>
+        </p:spPr>
+        <p:style>
+          <a:lnRef idx="1">
+            <a:schemeClr val="accent1"/>
+          </a:lnRef>
+          <a:fillRef idx="0">
+            <a:schemeClr val="accent1"/>
+          </a:fillRef>
+          <a:effectRef idx="0">
+            <a:schemeClr val="accent1"/>
+          </a:effectRef>
+          <a:fontRef idx="minor">
+            <a:schemeClr val="tx1"/>
+          </a:fontRef>
+        </p:style>
+      </p:cxnSp>
+      <p:sp>
+        <p:nvSpPr>
+          <p:cNvPr id="30" name="Rectangle 29"/>
+          <p:cNvSpPr/>
+          <p:nvPr/>
+        </p:nvSpPr>
+        <p:spPr>
+          <a:xfrm>
+            <a:off x="7318734" y="3767835"/>
+            <a:ext cx="1406769" cy="926123"/>
+          </a:xfrm>
+          <a:prstGeom prst="rect">
+            <a:avLst/>
+          </a:prstGeom>
+        </p:spPr>
+        <p:style>
+          <a:lnRef idx="2">
+            <a:schemeClr val="accent1">
+              <a:shade val="50000"/>
+            </a:schemeClr>
+          </a:lnRef>
+          <a:fillRef idx="1">
+            <a:schemeClr val="accent1"/>
+          </a:fillRef>
+          <a:effectRef idx="0">
+            <a:schemeClr val="accent1"/>
+          </a:effectRef>
+          <a:fontRef idx="minor">
+            <a:schemeClr val="lt1"/>
+          </a:fontRef>
+        </p:style>
+        <p:txBody>
+          <a:bodyPr rtlCol="0" anchor="ctr"/>
+          <a:lstStyle/>
+          <a:p>
+            <a:pPr algn="ctr"/>
+            <a:r>
+              <a:rPr lang="fr-CA" dirty="0"/>
+              <a:t>abs()</a:t>
+            </a:r>
+          </a:p>
+        </p:txBody>
+      </p:sp>
+      <p:cxnSp>
+        <p:nvCxnSpPr>
+          <p:cNvPr id="22" name="Connecteur droit avec flèche 21"/>
+          <p:cNvCxnSpPr>
+            <a:stCxn id="21" idx="2"/>
+            <a:endCxn id="30" idx="0"/>
+          </p:cNvCxnSpPr>
+          <p:nvPr/>
+        </p:nvCxnSpPr>
+        <p:spPr>
           <a:xfrm flipH="1">
-            <a:off x="6059597" y="3892061"/>
-            <a:ext cx="172" cy="1106423"/>
+            <a:off x="8022119" y="3463313"/>
+            <a:ext cx="1" cy="304522"/>
+          </a:xfrm>
+          <a:prstGeom prst="straightConnector1">
+            <a:avLst/>
+          </a:prstGeom>
+          <a:ln>
+            <a:tailEnd type="triangle"/>
+          </a:ln>
+        </p:spPr>
+        <p:style>
+          <a:lnRef idx="1">
+            <a:schemeClr val="accent1"/>
+          </a:lnRef>
+          <a:fillRef idx="0">
+            <a:schemeClr val="accent1"/>
+          </a:fillRef>
+          <a:effectRef idx="0">
+            <a:schemeClr val="accent1"/>
+          </a:effectRef>
+          <a:fontRef idx="minor">
+            <a:schemeClr val="tx1"/>
+          </a:fontRef>
+        </p:style>
+      </p:cxnSp>
+      <p:cxnSp>
+        <p:nvCxnSpPr>
+          <p:cNvPr id="29" name="Connecteur droit avec flèche 28"/>
+          <p:cNvCxnSpPr>
+            <a:endCxn id="34" idx="1"/>
+          </p:cNvCxnSpPr>
+          <p:nvPr/>
+        </p:nvCxnSpPr>
+        <p:spPr>
+          <a:xfrm>
+            <a:off x="8746337" y="4230896"/>
+            <a:ext cx="532478" cy="1"/>
           </a:xfrm>
           <a:prstGeom prst="straightConnector1">
             <a:avLst/>
@@ -4531,71 +4650,9 @@
           </a:fontRef>
         </p:style>
       </p:cxnSp>
-      <p:sp>
-        <p:nvSpPr>
-          <p:cNvPr id="2" name="Titre 1"/>
-          <p:cNvSpPr>
-            <a:spLocks noGrp="1"/>
-          </p:cNvSpPr>
-          <p:nvPr>
-            <p:ph type="title"/>
-          </p:nvPr>
-        </p:nvSpPr>
-        <p:spPr>
-          <a:xfrm>
-            <a:off x="655320" y="365125"/>
-            <a:ext cx="5120114" cy="1692794"/>
-          </a:xfrm>
-        </p:spPr>
-        <p:txBody>
-          <a:bodyPr>
-            <a:normAutofit/>
-          </a:bodyPr>
-          <a:lstStyle/>
-          <a:p>
-            <a:pPr>
-              <a:lnSpc>
-                <a:spcPct val="80000"/>
-              </a:lnSpc>
-            </a:pPr>
-            <a:r>
-              <a:rPr lang="fr-CA" sz="3700" dirty="0"/>
-              <a:t>Explication de la méthode pour trouver les paramètres et variables</a:t>
-            </a:r>
-          </a:p>
-        </p:txBody>
-      </p:sp>
-      <p:sp>
-        <p:nvSpPr>
-          <p:cNvPr id="4" name="Espace réservé du numéro de diapositive 3"/>
-          <p:cNvSpPr>
-            <a:spLocks noGrp="1"/>
-          </p:cNvSpPr>
-          <p:nvPr>
-            <p:ph type="sldNum" sz="quarter" idx="12"/>
-          </p:nvPr>
-        </p:nvSpPr>
-        <p:spPr>
-          <a:xfrm>
-            <a:off x="8610600" y="6356350"/>
-            <a:ext cx="2743200" cy="365125"/>
-          </a:xfrm>
-        </p:spPr>
-        <p:txBody>
-          <a:bodyPr/>
-          <a:lstStyle/>
-          <a:p>
-            <a:fld id="{EBEC80A5-55CB-455C-B758-CCF37A1A7D97}" type="slidenum">
-              <a:rPr lang="fr-CA" smtClean="0"/>
-              <a:t>3</a:t>
-            </a:fld>
-            <a:endParaRPr lang="fr-CA"/>
-          </a:p>
-        </p:txBody>
-      </p:sp>
       <p:pic>
         <p:nvPicPr>
-          <p:cNvPr id="6" name="Image 5"/>
+          <p:cNvPr id="3" name="Image 2"/>
           <p:cNvPicPr>
             <a:picLocks noChangeAspect="1"/>
           </p:cNvPicPr>
@@ -4604,15 +4661,6 @@
         <p:blipFill>
           <a:blip r:embed="rId3">
             <a:extLst>
-              <a:ext uri="{BEBA8EAE-BF5A-486C-A8C5-ECC9F3942E4B}">
-                <a14:imgProps xmlns:a14="http://schemas.microsoft.com/office/drawing/2010/main">
-                  <a14:imgLayer r:embed="rId4">
-                    <a14:imgEffect>
-                      <a14:sharpenSoften amount="50000"/>
-                    </a14:imgEffect>
-                  </a14:imgLayer>
-                </a14:imgProps>
-              </a:ext>
               <a:ext uri="{28A0092B-C50C-407E-A947-70E740481C1C}">
                 <a14:useLocalDpi xmlns:a14="http://schemas.microsoft.com/office/drawing/2010/main" val="0"/>
               </a:ext>
@@ -4624,23 +4672,76 @@
         </p:blipFill>
         <p:spPr>
           <a:xfrm>
-            <a:off x="3612090" y="2373922"/>
-            <a:ext cx="8579910" cy="4073769"/>
+            <a:off x="4032738" y="2139668"/>
+            <a:ext cx="8159261" cy="4216681"/>
           </a:xfrm>
           <a:prstGeom prst="rect">
             <a:avLst/>
           </a:prstGeom>
-          <a:noFill/>
-          <a:effectLst>
-            <a:glow>
-              <a:schemeClr val="accent1"/>
-            </a:glow>
-            <a:outerShdw blurRad="50800" dist="50800" dir="5400000" sx="1000" sy="1000" algn="ctr" rotWithShape="0">
-              <a:srgbClr val="000000"/>
-            </a:outerShdw>
-          </a:effectLst>
         </p:spPr>
       </p:pic>
+      <p:sp>
+        <p:nvSpPr>
+          <p:cNvPr id="2" name="Titre 1"/>
+          <p:cNvSpPr>
+            <a:spLocks noGrp="1"/>
+          </p:cNvSpPr>
+          <p:nvPr>
+            <p:ph type="title"/>
+          </p:nvPr>
+        </p:nvSpPr>
+        <p:spPr>
+          <a:xfrm>
+            <a:off x="655320" y="365125"/>
+            <a:ext cx="5120114" cy="1692794"/>
+          </a:xfrm>
+        </p:spPr>
+        <p:txBody>
+          <a:bodyPr>
+            <a:normAutofit/>
+          </a:bodyPr>
+          <a:lstStyle/>
+          <a:p>
+            <a:pPr>
+              <a:lnSpc>
+                <a:spcPct val="80000"/>
+              </a:lnSpc>
+            </a:pPr>
+            <a:r>
+              <a:rPr lang="fr-CA" sz="3700" dirty="0"/>
+              <a:t>Explication de la méthode pour trouver les paramètres et variables</a:t>
+            </a:r>
+          </a:p>
+        </p:txBody>
+      </p:sp>
+      <p:sp>
+        <p:nvSpPr>
+          <p:cNvPr id="4" name="Espace réservé du numéro de diapositive 3"/>
+          <p:cNvSpPr>
+            <a:spLocks noGrp="1"/>
+          </p:cNvSpPr>
+          <p:nvPr>
+            <p:ph type="sldNum" sz="quarter" idx="12"/>
+          </p:nvPr>
+        </p:nvSpPr>
+        <p:spPr>
+          <a:xfrm>
+            <a:off x="8610600" y="6356350"/>
+            <a:ext cx="2743200" cy="365125"/>
+          </a:xfrm>
+        </p:spPr>
+        <p:txBody>
+          <a:bodyPr/>
+          <a:lstStyle/>
+          <a:p>
+            <a:fld id="{EBEC80A5-55CB-455C-B758-CCF37A1A7D97}" type="slidenum">
+              <a:rPr lang="fr-CA" smtClean="0"/>
+              <a:t>3</a:t>
+            </a:fld>
+            <a:endParaRPr lang="fr-CA"/>
+          </a:p>
+        </p:txBody>
+      </p:sp>
       <p:sp>
         <p:nvSpPr>
           <p:cNvPr id="12" name="Content Placeholder 8"/>
@@ -4820,9 +4921,32 @@
           </a:p>
         </p:txBody>
       </p:sp>
+      <p:sp>
+        <p:nvSpPr>
+          <p:cNvPr id="5" name="Espace réservé du numéro de diapositive 4"/>
+          <p:cNvSpPr>
+            <a:spLocks noGrp="1"/>
+          </p:cNvSpPr>
+          <p:nvPr>
+            <p:ph type="sldNum" sz="quarter" idx="12"/>
+          </p:nvPr>
+        </p:nvSpPr>
+        <p:spPr/>
+        <p:txBody>
+          <a:bodyPr/>
+          <a:lstStyle/>
+          <a:p>
+            <a:fld id="{EBEC80A5-55CB-455C-B758-CCF37A1A7D97}" type="slidenum">
+              <a:rPr lang="fr-CA" smtClean="0"/>
+              <a:t>4</a:t>
+            </a:fld>
+            <a:endParaRPr lang="fr-CA"/>
+          </a:p>
+        </p:txBody>
+      </p:sp>
       <p:pic>
         <p:nvPicPr>
-          <p:cNvPr id="4" name="Espace réservé du contenu 3"/>
+          <p:cNvPr id="6" name="Espace réservé du contenu 5"/>
           <p:cNvPicPr>
             <a:picLocks noGrp="1" noChangeAspect="1"/>
           </p:cNvPicPr>
@@ -4844,34 +4968,11 @@
         </p:blipFill>
         <p:spPr>
           <a:xfrm>
-            <a:off x="1238280" y="1403326"/>
-            <a:ext cx="9715459" cy="5020919"/>
+            <a:off x="1091644" y="1325353"/>
+            <a:ext cx="10008731" cy="5378602"/>
           </a:xfrm>
         </p:spPr>
       </p:pic>
-      <p:sp>
-        <p:nvSpPr>
-          <p:cNvPr id="5" name="Espace réservé du numéro de diapositive 4"/>
-          <p:cNvSpPr>
-            <a:spLocks noGrp="1"/>
-          </p:cNvSpPr>
-          <p:nvPr>
-            <p:ph type="sldNum" sz="quarter" idx="12"/>
-          </p:nvPr>
-        </p:nvSpPr>
-        <p:spPr/>
-        <p:txBody>
-          <a:bodyPr/>
-          <a:lstStyle/>
-          <a:p>
-            <a:fld id="{EBEC80A5-55CB-455C-B758-CCF37A1A7D97}" type="slidenum">
-              <a:rPr lang="fr-CA" smtClean="0"/>
-              <a:t>4</a:t>
-            </a:fld>
-            <a:endParaRPr lang="fr-CA"/>
-          </a:p>
-        </p:txBody>
-      </p:sp>
     </p:spTree>
     <p:extLst>
       <p:ext uri="{BB962C8B-B14F-4D97-AF65-F5344CB8AC3E}">
@@ -5203,6 +5304,31 @@
                       </a:rPr>
                       <m:t>→</m:t>
                     </m:r>
+                    <m:f>
+                      <m:fPr>
+                        <m:ctrlPr>
+                          <a:rPr lang="fr-CA" sz="1800" b="0" i="1" smtClean="0">
+                            <a:latin typeface="Cambria Math" panose="02040503050406030204" pitchFamily="18" charset="0"/>
+                          </a:rPr>
+                        </m:ctrlPr>
+                      </m:fPr>
+                      <m:num>
+                        <m:r>
+                          <a:rPr lang="fr-CA" sz="1800" b="0" i="1" smtClean="0">
+                            <a:latin typeface="Cambria Math" panose="02040503050406030204" pitchFamily="18" charset="0"/>
+                          </a:rPr>
+                          <m:t>1</m:t>
+                        </m:r>
+                      </m:num>
+                      <m:den>
+                        <m:r>
+                          <a:rPr lang="fr-CA" sz="1800" b="0" i="1" smtClean="0">
+                            <a:latin typeface="Cambria Math" panose="02040503050406030204" pitchFamily="18" charset="0"/>
+                          </a:rPr>
+                          <m:t>𝑁</m:t>
+                        </m:r>
+                      </m:den>
+                    </m:f>
                     <m:nary>
                       <m:naryPr>
                         <m:chr m:val="∑"/>
@@ -5238,7 +5364,7 @@
                         <m:f>
                           <m:fPr>
                             <m:ctrlPr>
-                              <a:rPr lang="fr-CA" sz="1800" b="0" i="0" smtClean="0">
+                              <a:rPr lang="fr-CA" sz="1800" b="0" i="1" smtClean="0">
                                 <a:latin typeface="Cambria Math" panose="02040503050406030204" pitchFamily="18" charset="0"/>
                               </a:rPr>
                             </m:ctrlPr>
@@ -5828,7 +5954,7 @@
           </a:bodyPr>
           <a:lstStyle/>
           <a:p>
-            <a:endParaRPr lang="en-US" sz="2400"/>
+            <a:endParaRPr lang="en-US" sz="2400" dirty="0"/>
           </a:p>
         </p:txBody>
       </p:sp>
@@ -5985,7 +6111,7 @@
         </p:nvSpPr>
         <p:spPr>
           <a:xfrm>
-            <a:off x="1803970" y="4426560"/>
+            <a:off x="1150409" y="4385529"/>
             <a:ext cx="1691723" cy="914400"/>
           </a:xfrm>
           <a:prstGeom prst="rect">
@@ -6028,7 +6154,7 @@
         </p:nvSpPr>
         <p:spPr>
           <a:xfrm>
-            <a:off x="4284323" y="4426560"/>
+            <a:off x="3178996" y="4385529"/>
             <a:ext cx="1691723" cy="914400"/>
           </a:xfrm>
           <a:prstGeom prst="rect">
@@ -6146,8 +6272,8 @@
         </p:nvCxnSpPr>
         <p:spPr>
           <a:xfrm rot="5400000">
-            <a:off x="3793877" y="2396328"/>
-            <a:ext cx="886187" cy="3174276"/>
+            <a:off x="3487612" y="2049033"/>
+            <a:ext cx="845156" cy="3827837"/>
           </a:xfrm>
           <a:prstGeom prst="bentConnector3">
             <a:avLst/>
@@ -6182,8 +6308,8 @@
         </p:nvCxnSpPr>
         <p:spPr>
           <a:xfrm>
-            <a:off x="3495693" y="4883760"/>
-            <a:ext cx="788630" cy="0"/>
+            <a:off x="2842132" y="4842729"/>
+            <a:ext cx="336864" cy="0"/>
           </a:xfrm>
           <a:prstGeom prst="straightConnector1">
             <a:avLst/>
@@ -6230,6 +6356,164 @@
           </a:p>
         </p:txBody>
       </p:sp>
+      <p:sp>
+        <p:nvSpPr>
+          <p:cNvPr id="19" name="Rectangle 18"/>
+          <p:cNvSpPr/>
+          <p:nvPr/>
+        </p:nvSpPr>
+        <p:spPr>
+          <a:xfrm>
+            <a:off x="5405655" y="4026209"/>
+            <a:ext cx="1510636" cy="816520"/>
+          </a:xfrm>
+          <a:prstGeom prst="rect">
+            <a:avLst/>
+          </a:prstGeom>
+        </p:spPr>
+        <p:style>
+          <a:lnRef idx="2">
+            <a:schemeClr val="accent1">
+              <a:shade val="50000"/>
+            </a:schemeClr>
+          </a:lnRef>
+          <a:fillRef idx="1">
+            <a:schemeClr val="accent1"/>
+          </a:fillRef>
+          <a:effectRef idx="0">
+            <a:schemeClr val="accent1"/>
+          </a:effectRef>
+          <a:fontRef idx="minor">
+            <a:schemeClr val="lt1"/>
+          </a:fontRef>
+        </p:style>
+        <p:txBody>
+          <a:bodyPr rtlCol="0" anchor="ctr"/>
+          <a:lstStyle/>
+          <a:p>
+            <a:pPr algn="ctr"/>
+            <a:r>
+              <a:rPr lang="fr-CA" dirty="0"/>
+              <a:t>Signal trouvé</a:t>
+            </a:r>
+          </a:p>
+        </p:txBody>
+      </p:sp>
+      <p:sp>
+        <p:nvSpPr>
+          <p:cNvPr id="23" name="Rectangle 22"/>
+          <p:cNvSpPr/>
+          <p:nvPr/>
+        </p:nvSpPr>
+        <p:spPr>
+          <a:xfrm>
+            <a:off x="5405277" y="4960491"/>
+            <a:ext cx="1510636" cy="816520"/>
+          </a:xfrm>
+          <a:prstGeom prst="rect">
+            <a:avLst/>
+          </a:prstGeom>
+        </p:spPr>
+        <p:style>
+          <a:lnRef idx="2">
+            <a:schemeClr val="accent1">
+              <a:shade val="50000"/>
+            </a:schemeClr>
+          </a:lnRef>
+          <a:fillRef idx="1">
+            <a:schemeClr val="accent1"/>
+          </a:fillRef>
+          <a:effectRef idx="0">
+            <a:schemeClr val="accent1"/>
+          </a:effectRef>
+          <a:fontRef idx="minor">
+            <a:schemeClr val="lt1"/>
+          </a:fontRef>
+        </p:style>
+        <p:txBody>
+          <a:bodyPr rtlCol="0" anchor="ctr"/>
+          <a:lstStyle/>
+          <a:p>
+            <a:pPr algn="ctr"/>
+            <a:r>
+              <a:rPr lang="fr-CA" dirty="0"/>
+              <a:t>Signal pas trouvé</a:t>
+            </a:r>
+          </a:p>
+        </p:txBody>
+      </p:sp>
+      <p:cxnSp>
+        <p:nvCxnSpPr>
+          <p:cNvPr id="16" name="Connecteur : en angle 15"/>
+          <p:cNvCxnSpPr>
+            <a:stCxn id="15" idx="3"/>
+            <a:endCxn id="19" idx="1"/>
+          </p:cNvCxnSpPr>
+          <p:nvPr/>
+        </p:nvCxnSpPr>
+        <p:spPr>
+          <a:xfrm flipV="1">
+            <a:off x="4870719" y="4434469"/>
+            <a:ext cx="534936" cy="408260"/>
+          </a:xfrm>
+          <a:prstGeom prst="bentConnector3">
+            <a:avLst/>
+          </a:prstGeom>
+          <a:ln>
+            <a:tailEnd type="triangle"/>
+          </a:ln>
+        </p:spPr>
+        <p:style>
+          <a:lnRef idx="1">
+            <a:schemeClr val="accent1"/>
+          </a:lnRef>
+          <a:fillRef idx="0">
+            <a:schemeClr val="accent1"/>
+          </a:fillRef>
+          <a:effectRef idx="0">
+            <a:schemeClr val="accent1"/>
+          </a:effectRef>
+          <a:fontRef idx="minor">
+            <a:schemeClr val="tx1"/>
+          </a:fontRef>
+        </p:style>
+      </p:cxnSp>
+      <p:cxnSp>
+        <p:nvCxnSpPr>
+          <p:cNvPr id="24" name="Connecteur : en angle 23"/>
+          <p:cNvCxnSpPr>
+            <a:stCxn id="15" idx="3"/>
+            <a:endCxn id="23" idx="1"/>
+          </p:cNvCxnSpPr>
+          <p:nvPr/>
+        </p:nvCxnSpPr>
+        <p:spPr>
+          <a:xfrm>
+            <a:off x="4870719" y="4842729"/>
+            <a:ext cx="534558" cy="526022"/>
+          </a:xfrm>
+          <a:prstGeom prst="bentConnector3">
+            <a:avLst/>
+          </a:prstGeom>
+          <a:ln>
+            <a:tailEnd type="triangle"/>
+          </a:ln>
+        </p:spPr>
+        <p:style>
+          <a:lnRef idx="1">
+            <a:schemeClr val="accent1"/>
+          </a:lnRef>
+          <a:fillRef idx="0">
+            <a:schemeClr val="accent1"/>
+          </a:fillRef>
+          <a:effectRef idx="0">
+            <a:schemeClr val="accent1"/>
+          </a:effectRef>
+          <a:fontRef idx="minor">
+            <a:schemeClr val="tx1"/>
+          </a:fontRef>
+        </p:style>
+      </p:cxnSp>
     </p:spTree>
     <p:extLst>
       <p:ext uri="{BB962C8B-B14F-4D97-AF65-F5344CB8AC3E}">

--- a/Présentation/Présentation_APP4S4.pptx
+++ b/Présentation/Présentation_APP4S4.pptx
@@ -5247,8 +5247,8 @@
           </a:p>
         </p:txBody>
       </p:sp>
-      <mc:AlternateContent xmlns:mc="http://schemas.openxmlformats.org/markup-compatibility/2006">
-        <mc:Choice xmlns:a14="http://schemas.microsoft.com/office/drawing/2010/main" Requires="a14">
+      <mc:AlternateContent xmlns:mc="http://schemas.openxmlformats.org/markup-compatibility/2006" xmlns:a14="http://schemas.microsoft.com/office/drawing/2010/main">
+        <mc:Choice Requires="a14">
           <p:sp>
             <p:nvSpPr>
               <p:cNvPr id="11" name="Content Placeholder 8"/>
@@ -5525,7 +5525,7 @@
             </p:txBody>
           </p:sp>
         </mc:Choice>
-        <mc:Fallback>
+        <mc:Fallback xmlns="">
           <p:sp>
             <p:nvSpPr>
               <p:cNvPr id="11" name="Content Placeholder 8"/>
@@ -5625,7 +5625,7 @@
           <p:nvPr/>
         </p:nvPicPr>
         <p:blipFill rotWithShape="1">
-          <a:blip r:embed="rId2">
+          <a:blip r:embed="rId8">
             <a:extLst>
               <a:ext uri="{28A0092B-C50C-407E-A947-70E740481C1C}">
                 <a14:useLocalDpi xmlns:a14="http://schemas.microsoft.com/office/drawing/2010/main" val="0"/>
@@ -5737,32 +5737,37 @@
           </a:p>
         </p:txBody>
       </p:sp>
-      <p:sp>
-        <p:nvSpPr>
-          <p:cNvPr id="9" name="Content Placeholder 8"/>
-          <p:cNvSpPr>
-            <a:spLocks noGrp="1"/>
-          </p:cNvSpPr>
+      <p:pic>
+        <p:nvPicPr>
+          <p:cNvPr id="3" name="son1Spline">
+            <a:hlinkClick r:id="" action="ppaction://media"/>
+          </p:cNvPr>
+          <p:cNvPicPr>
+            <a:picLocks noGrp="1" noChangeAspect="1"/>
+          </p:cNvPicPr>
           <p:nvPr>
             <p:ph idx="1"/>
-          </p:nvPr>
-        </p:nvSpPr>
-        <p:spPr>
-          <a:xfrm>
-            <a:off x="594110" y="2121763"/>
-            <a:ext cx="5235490" cy="3773010"/>
-          </a:xfrm>
-        </p:spPr>
-        <p:txBody>
-          <a:bodyPr>
-            <a:normAutofit/>
-          </a:bodyPr>
-          <a:lstStyle/>
-          <a:p>
-            <a:endParaRPr lang="en-US" sz="2400"/>
-          </a:p>
-        </p:txBody>
-      </p:sp>
+            <a:audioFile r:link="rId2"/>
+            <p:extLst>
+              <p:ext uri="{DAA4B4D4-6D71-4841-9C94-3DE7FCFB9230}">
+                <p14:media xmlns:p14="http://schemas.microsoft.com/office/powerpoint/2010/main" r:embed="rId1"/>
+              </p:ext>
+            </p:extLst>
+          </p:nvPr>
+        </p:nvPicPr>
+        <p:blipFill>
+          <a:blip r:embed="rId9"/>
+          <a:stretch>
+            <a:fillRect/>
+          </a:stretch>
+        </p:blipFill>
+        <p:spPr>
+          <a:xfrm>
+            <a:off x="2899879" y="2878756"/>
+            <a:ext cx="609600" cy="609600"/>
+          </a:xfrm>
+        </p:spPr>
+      </p:pic>
       <p:sp>
         <p:nvSpPr>
           <p:cNvPr id="4" name="Espace réservé du numéro de diapositive 3"/>
@@ -5783,6 +5788,188 @@
               <a:t>6</a:t>
             </a:fld>
             <a:endParaRPr lang="fr-CA"/>
+          </a:p>
+        </p:txBody>
+      </p:sp>
+      <p:pic>
+        <p:nvPicPr>
+          <p:cNvPr id="5" name="son2Spline">
+            <a:hlinkClick r:id="" action="ppaction://media"/>
+          </p:cNvPr>
+          <p:cNvPicPr>
+            <a:picLocks noChangeAspect="1"/>
+          </p:cNvPicPr>
+          <p:nvPr>
+            <a:audioFile r:link="rId4"/>
+            <p:extLst>
+              <p:ext uri="{DAA4B4D4-6D71-4841-9C94-3DE7FCFB9230}">
+                <p14:media xmlns:p14="http://schemas.microsoft.com/office/powerpoint/2010/main" r:embed="rId3"/>
+              </p:ext>
+            </p:extLst>
+          </p:nvPr>
+        </p:nvPicPr>
+        <p:blipFill>
+          <a:blip r:embed="rId9"/>
+          <a:stretch>
+            <a:fillRect/>
+          </a:stretch>
+        </p:blipFill>
+        <p:spPr>
+          <a:xfrm>
+            <a:off x="2899879" y="4108938"/>
+            <a:ext cx="609600" cy="609600"/>
+          </a:xfrm>
+          <a:prstGeom prst="rect">
+            <a:avLst/>
+          </a:prstGeom>
+        </p:spPr>
+      </p:pic>
+      <p:pic>
+        <p:nvPicPr>
+          <p:cNvPr id="6" name="son3Spline">
+            <a:hlinkClick r:id="" action="ppaction://media"/>
+          </p:cNvPr>
+          <p:cNvPicPr>
+            <a:picLocks noChangeAspect="1"/>
+          </p:cNvPicPr>
+          <p:nvPr>
+            <a:audioFile r:link="rId6"/>
+            <p:extLst>
+              <p:ext uri="{DAA4B4D4-6D71-4841-9C94-3DE7FCFB9230}">
+                <p14:media xmlns:p14="http://schemas.microsoft.com/office/powerpoint/2010/main" r:embed="rId5"/>
+              </p:ext>
+            </p:extLst>
+          </p:nvPr>
+        </p:nvPicPr>
+        <p:blipFill>
+          <a:blip r:embed="rId9"/>
+          <a:stretch>
+            <a:fillRect/>
+          </a:stretch>
+        </p:blipFill>
+        <p:spPr>
+          <a:xfrm>
+            <a:off x="2899879" y="5339120"/>
+            <a:ext cx="609600" cy="609600"/>
+          </a:xfrm>
+          <a:prstGeom prst="rect">
+            <a:avLst/>
+          </a:prstGeom>
+        </p:spPr>
+      </p:pic>
+      <p:sp>
+        <p:nvSpPr>
+          <p:cNvPr id="8" name="ZoneTexte 7"/>
+          <p:cNvSpPr txBox="1"/>
+          <p:nvPr/>
+        </p:nvSpPr>
+        <p:spPr>
+          <a:xfrm>
+            <a:off x="1904998" y="2998890"/>
+            <a:ext cx="704039" cy="369332"/>
+          </a:xfrm>
+          <a:prstGeom prst="rect">
+            <a:avLst/>
+          </a:prstGeom>
+          <a:noFill/>
+        </p:spPr>
+        <p:txBody>
+          <a:bodyPr wrap="none" rtlCol="0">
+            <a:spAutoFit/>
+          </a:bodyPr>
+          <a:lstStyle/>
+          <a:p>
+            <a:r>
+              <a:rPr lang="fr-CA" dirty="0"/>
+              <a:t>Son 1</a:t>
+            </a:r>
+          </a:p>
+        </p:txBody>
+      </p:sp>
+      <p:sp>
+        <p:nvSpPr>
+          <p:cNvPr id="11" name="ZoneTexte 10"/>
+          <p:cNvSpPr txBox="1"/>
+          <p:nvPr/>
+        </p:nvSpPr>
+        <p:spPr>
+          <a:xfrm>
+            <a:off x="1904999" y="4229072"/>
+            <a:ext cx="704039" cy="369332"/>
+          </a:xfrm>
+          <a:prstGeom prst="rect">
+            <a:avLst/>
+          </a:prstGeom>
+          <a:noFill/>
+        </p:spPr>
+        <p:txBody>
+          <a:bodyPr wrap="none" rtlCol="0">
+            <a:spAutoFit/>
+          </a:bodyPr>
+          <a:lstStyle/>
+          <a:p>
+            <a:r>
+              <a:rPr lang="fr-CA" dirty="0"/>
+              <a:t>Son 2</a:t>
+            </a:r>
+          </a:p>
+        </p:txBody>
+      </p:sp>
+      <p:sp>
+        <p:nvSpPr>
+          <p:cNvPr id="12" name="ZoneTexte 11"/>
+          <p:cNvSpPr txBox="1"/>
+          <p:nvPr/>
+        </p:nvSpPr>
+        <p:spPr>
+          <a:xfrm>
+            <a:off x="1905000" y="5459254"/>
+            <a:ext cx="704039" cy="369332"/>
+          </a:xfrm>
+          <a:prstGeom prst="rect">
+            <a:avLst/>
+          </a:prstGeom>
+          <a:noFill/>
+        </p:spPr>
+        <p:txBody>
+          <a:bodyPr wrap="none" rtlCol="0">
+            <a:spAutoFit/>
+          </a:bodyPr>
+          <a:lstStyle/>
+          <a:p>
+            <a:r>
+              <a:rPr lang="fr-CA" dirty="0"/>
+              <a:t>Son 3</a:t>
+            </a:r>
+          </a:p>
+        </p:txBody>
+      </p:sp>
+      <p:sp>
+        <p:nvSpPr>
+          <p:cNvPr id="10" name="ZoneTexte 9"/>
+          <p:cNvSpPr txBox="1"/>
+          <p:nvPr/>
+        </p:nvSpPr>
+        <p:spPr>
+          <a:xfrm>
+            <a:off x="594805" y="2284309"/>
+            <a:ext cx="4461542" cy="369332"/>
+          </a:xfrm>
+          <a:prstGeom prst="rect">
+            <a:avLst/>
+          </a:prstGeom>
+          <a:noFill/>
+        </p:spPr>
+        <p:txBody>
+          <a:bodyPr wrap="none" rtlCol="0">
+            <a:spAutoFit/>
+          </a:bodyPr>
+          <a:lstStyle/>
+          <a:p>
+            <a:r>
+              <a:rPr lang="fr-CA" dirty="0"/>
+              <a:t>L’enveloppe a été échantillonnée à 1 sur 1000</a:t>
+            </a:r>
           </a:p>
         </p:txBody>
       </p:sp>
@@ -5796,6 +5983,247 @@
   <p:clrMapOvr>
     <a:masterClrMapping/>
   </p:clrMapOvr>
+  <p:timing>
+    <p:tnLst>
+      <p:par>
+        <p:cTn id="1" dur="indefinite" restart="never" nodeType="tmRoot">
+          <p:childTnLst>
+            <p:seq concurrent="1" nextAc="seek">
+              <p:cTn id="2" restart="whenNotActive" fill="hold" evtFilter="cancelBubble" nodeType="interactiveSeq">
+                <p:stCondLst>
+                  <p:cond evt="onClick" delay="0">
+                    <p:tgtEl>
+                      <p:spTgt spid="3"/>
+                    </p:tgtEl>
+                  </p:cond>
+                </p:stCondLst>
+                <p:endSync evt="end" delay="0">
+                  <p:rtn val="all"/>
+                </p:endSync>
+                <p:childTnLst>
+                  <p:par>
+                    <p:cTn id="3" fill="hold">
+                      <p:stCondLst>
+                        <p:cond delay="0"/>
+                      </p:stCondLst>
+                      <p:childTnLst>
+                        <p:par>
+                          <p:cTn id="4" fill="hold">
+                            <p:stCondLst>
+                              <p:cond delay="0"/>
+                            </p:stCondLst>
+                            <p:childTnLst>
+                              <p:par>
+                                <p:cTn id="5" presetID="1" presetClass="mediacall" presetSubtype="0" fill="hold" nodeType="clickEffect">
+                                  <p:stCondLst>
+                                    <p:cond delay="0"/>
+                                  </p:stCondLst>
+                                  <p:childTnLst>
+                                    <p:cmd type="call" cmd="playFrom(0.0)">
+                                      <p:cBhvr>
+                                        <p:cTn id="6" dur="1587" fill="hold"/>
+                                        <p:tgtEl>
+                                          <p:spTgt spid="3"/>
+                                        </p:tgtEl>
+                                      </p:cBhvr>
+                                    </p:cmd>
+                                  </p:childTnLst>
+                                </p:cTn>
+                              </p:par>
+                            </p:childTnLst>
+                          </p:cTn>
+                        </p:par>
+                      </p:childTnLst>
+                    </p:cTn>
+                  </p:par>
+                </p:childTnLst>
+              </p:cTn>
+              <p:nextCondLst>
+                <p:cond evt="onClick" delay="0">
+                  <p:tgtEl>
+                    <p:spTgt spid="3"/>
+                  </p:tgtEl>
+                </p:cond>
+              </p:nextCondLst>
+            </p:seq>
+            <p:audio>
+              <p:cMediaNode vol="80000">
+                <p:cTn id="7" fill="hold" display="0">
+                  <p:stCondLst>
+                    <p:cond delay="indefinite"/>
+                  </p:stCondLst>
+                  <p:endCondLst>
+                    <p:cond evt="onStopAudio" delay="0">
+                      <p:tgtEl>
+                        <p:sldTgt/>
+                      </p:tgtEl>
+                    </p:cond>
+                  </p:endCondLst>
+                </p:cTn>
+                <p:tgtEl>
+                  <p:spTgt spid="3"/>
+                </p:tgtEl>
+              </p:cMediaNode>
+            </p:audio>
+            <p:seq concurrent="1" nextAc="seek">
+              <p:cTn id="8" restart="whenNotActive" fill="hold" evtFilter="cancelBubble" nodeType="interactiveSeq">
+                <p:stCondLst>
+                  <p:cond evt="onClick" delay="0">
+                    <p:tgtEl>
+                      <p:spTgt spid="5"/>
+                    </p:tgtEl>
+                  </p:cond>
+                </p:stCondLst>
+                <p:endSync evt="end" delay="0">
+                  <p:rtn val="all"/>
+                </p:endSync>
+                <p:childTnLst>
+                  <p:par>
+                    <p:cTn id="9" fill="hold">
+                      <p:stCondLst>
+                        <p:cond delay="0"/>
+                      </p:stCondLst>
+                      <p:childTnLst>
+                        <p:par>
+                          <p:cTn id="10" fill="hold">
+                            <p:stCondLst>
+                              <p:cond delay="0"/>
+                            </p:stCondLst>
+                            <p:childTnLst>
+                              <p:par>
+                                <p:cTn id="11" presetID="1" presetClass="mediacall" presetSubtype="0" fill="hold" nodeType="clickEffect">
+                                  <p:stCondLst>
+                                    <p:cond delay="0"/>
+                                  </p:stCondLst>
+                                  <p:childTnLst>
+                                    <p:cmd type="call" cmd="playFrom(0.0)">
+                                      <p:cBhvr>
+                                        <p:cTn id="12" dur="1587" fill="hold"/>
+                                        <p:tgtEl>
+                                          <p:spTgt spid="5"/>
+                                        </p:tgtEl>
+                                      </p:cBhvr>
+                                    </p:cmd>
+                                  </p:childTnLst>
+                                </p:cTn>
+                              </p:par>
+                            </p:childTnLst>
+                          </p:cTn>
+                        </p:par>
+                      </p:childTnLst>
+                    </p:cTn>
+                  </p:par>
+                </p:childTnLst>
+              </p:cTn>
+              <p:nextCondLst>
+                <p:cond evt="onClick" delay="0">
+                  <p:tgtEl>
+                    <p:spTgt spid="5"/>
+                  </p:tgtEl>
+                </p:cond>
+              </p:nextCondLst>
+            </p:seq>
+            <p:audio>
+              <p:cMediaNode vol="80000">
+                <p:cTn id="13" fill="hold" display="0">
+                  <p:stCondLst>
+                    <p:cond delay="indefinite"/>
+                  </p:stCondLst>
+                  <p:endCondLst>
+                    <p:cond evt="onStopAudio" delay="0">
+                      <p:tgtEl>
+                        <p:sldTgt/>
+                      </p:tgtEl>
+                    </p:cond>
+                  </p:endCondLst>
+                </p:cTn>
+                <p:tgtEl>
+                  <p:spTgt spid="5"/>
+                </p:tgtEl>
+              </p:cMediaNode>
+            </p:audio>
+            <p:seq concurrent="1" nextAc="seek">
+              <p:cTn id="14" restart="whenNotActive" fill="hold" evtFilter="cancelBubble" nodeType="interactiveSeq">
+                <p:stCondLst>
+                  <p:cond evt="onClick" delay="0">
+                    <p:tgtEl>
+                      <p:spTgt spid="6"/>
+                    </p:tgtEl>
+                  </p:cond>
+                </p:stCondLst>
+                <p:endSync evt="end" delay="0">
+                  <p:rtn val="all"/>
+                </p:endSync>
+                <p:childTnLst>
+                  <p:par>
+                    <p:cTn id="15" fill="hold">
+                      <p:stCondLst>
+                        <p:cond delay="0"/>
+                      </p:stCondLst>
+                      <p:childTnLst>
+                        <p:par>
+                          <p:cTn id="16" fill="hold">
+                            <p:stCondLst>
+                              <p:cond delay="0"/>
+                            </p:stCondLst>
+                            <p:childTnLst>
+                              <p:par>
+                                <p:cTn id="17" presetID="1" presetClass="mediacall" presetSubtype="0" fill="hold" nodeType="clickEffect">
+                                  <p:stCondLst>
+                                    <p:cond delay="0"/>
+                                  </p:stCondLst>
+                                  <p:childTnLst>
+                                    <p:cmd type="call" cmd="playFrom(0.0)">
+                                      <p:cBhvr>
+                                        <p:cTn id="18" dur="1587" fill="hold"/>
+                                        <p:tgtEl>
+                                          <p:spTgt spid="6"/>
+                                        </p:tgtEl>
+                                      </p:cBhvr>
+                                    </p:cmd>
+                                  </p:childTnLst>
+                                </p:cTn>
+                              </p:par>
+                            </p:childTnLst>
+                          </p:cTn>
+                        </p:par>
+                      </p:childTnLst>
+                    </p:cTn>
+                  </p:par>
+                </p:childTnLst>
+              </p:cTn>
+              <p:nextCondLst>
+                <p:cond evt="onClick" delay="0">
+                  <p:tgtEl>
+                    <p:spTgt spid="6"/>
+                  </p:tgtEl>
+                </p:cond>
+              </p:nextCondLst>
+            </p:seq>
+            <p:audio>
+              <p:cMediaNode vol="80000">
+                <p:cTn id="19" fill="hold" display="0">
+                  <p:stCondLst>
+                    <p:cond delay="indefinite"/>
+                  </p:stCondLst>
+                  <p:endCondLst>
+                    <p:cond evt="onStopAudio" delay="0">
+                      <p:tgtEl>
+                        <p:sldTgt/>
+                      </p:tgtEl>
+                    </p:cond>
+                  </p:endCondLst>
+                </p:cTn>
+                <p:tgtEl>
+                  <p:spTgt spid="6"/>
+                </p:tgtEl>
+              </p:cMediaNode>
+            </p:audio>
+          </p:childTnLst>
+        </p:cTn>
+      </p:par>
+    </p:tnLst>
+  </p:timing>
 </p:sld>
 </file>
 

--- a/Présentation/Présentation_APP4S4.pptx
+++ b/Présentation/Présentation_APP4S4.pptx
@@ -5865,8 +5865,8 @@
         </p:nvSpPr>
         <p:spPr>
           <a:xfrm>
-            <a:off x="1904998" y="2998890"/>
-            <a:ext cx="704039" cy="369332"/>
+            <a:off x="1032456" y="2998890"/>
+            <a:ext cx="1698991" cy="369332"/>
           </a:xfrm>
           <a:prstGeom prst="rect">
             <a:avLst/>
@@ -5881,8 +5881,13 @@
           <a:p>
             <a:r>
               <a:rPr lang="fr-CA" dirty="0"/>
-              <a:t>Son 1</a:t>
-            </a:r>
+              <a:t>Son 1 : 31 </a:t>
+            </a:r>
+            <a:r>
+              <a:rPr lang="fr-CA" dirty="0" err="1"/>
+              <a:t>peaks</a:t>
+            </a:r>
+            <a:endParaRPr lang="fr-CA" dirty="0"/>
           </a:p>
         </p:txBody>
       </p:sp>
@@ -5894,8 +5899,8 @@
         </p:nvSpPr>
         <p:spPr>
           <a:xfrm>
-            <a:off x="1904999" y="4229072"/>
-            <a:ext cx="704039" cy="369332"/>
+            <a:off x="1032455" y="4229072"/>
+            <a:ext cx="1698991" cy="369332"/>
           </a:xfrm>
           <a:prstGeom prst="rect">
             <a:avLst/>
@@ -5910,8 +5915,13 @@
           <a:p>
             <a:r>
               <a:rPr lang="fr-CA" dirty="0"/>
-              <a:t>Son 2</a:t>
-            </a:r>
+              <a:t>Son 2 : 15 </a:t>
+            </a:r>
+            <a:r>
+              <a:rPr lang="fr-CA" dirty="0" err="1"/>
+              <a:t>peaks</a:t>
+            </a:r>
+            <a:endParaRPr lang="fr-CA" dirty="0"/>
           </a:p>
         </p:txBody>
       </p:sp>
@@ -5923,8 +5933,8 @@
         </p:nvSpPr>
         <p:spPr>
           <a:xfrm>
-            <a:off x="1905000" y="5459254"/>
-            <a:ext cx="704039" cy="369332"/>
+            <a:off x="1032455" y="5459254"/>
+            <a:ext cx="1698991" cy="369332"/>
           </a:xfrm>
           <a:prstGeom prst="rect">
             <a:avLst/>
@@ -5939,8 +5949,13 @@
           <a:p>
             <a:r>
               <a:rPr lang="fr-CA" dirty="0"/>
-              <a:t>Son 3</a:t>
-            </a:r>
+              <a:t>Son 3 : 14 </a:t>
+            </a:r>
+            <a:r>
+              <a:rPr lang="fr-CA" dirty="0" err="1"/>
+              <a:t>peaks</a:t>
+            </a:r>
+            <a:endParaRPr lang="fr-CA" dirty="0"/>
           </a:p>
         </p:txBody>
       </p:sp>
@@ -7002,38 +7017,9 @@
           </a:prstGeom>
         </p:spPr>
       </p:pic>
-      <p:sp>
-        <p:nvSpPr>
-          <p:cNvPr id="2" name="Titre 1"/>
-          <p:cNvSpPr>
-            <a:spLocks noGrp="1"/>
-          </p:cNvSpPr>
-          <p:nvPr>
-            <p:ph type="title"/>
-          </p:nvPr>
-        </p:nvSpPr>
-        <p:spPr>
-          <a:xfrm>
-            <a:off x="838200" y="909098"/>
-            <a:ext cx="6696445" cy="1325563"/>
-          </a:xfrm>
-        </p:spPr>
-        <p:txBody>
-          <a:bodyPr>
-            <a:normAutofit/>
-          </a:bodyPr>
-          <a:lstStyle/>
-          <a:p>
-            <a:r>
-              <a:rPr lang="fr-CA" sz="4000" dirty="0"/>
-              <a:t>Présentation des résultats de reconnaissance</a:t>
-            </a:r>
-          </a:p>
-        </p:txBody>
-      </p:sp>
       <p:pic>
         <p:nvPicPr>
-          <p:cNvPr id="5" name="Espace réservé du contenu 4"/>
+          <p:cNvPr id="6" name="Espace réservé du contenu 5"/>
           <p:cNvPicPr>
             <a:picLocks noGrp="1" noChangeAspect="1"/>
           </p:cNvPicPr>
@@ -7055,11 +7041,40 @@
         </p:blipFill>
         <p:spPr>
           <a:xfrm>
-            <a:off x="2232157" y="2220686"/>
-            <a:ext cx="7738320" cy="3999139"/>
+            <a:off x="1886099" y="2005012"/>
+            <a:ext cx="8419822" cy="4351338"/>
           </a:xfrm>
         </p:spPr>
       </p:pic>
+      <p:sp>
+        <p:nvSpPr>
+          <p:cNvPr id="2" name="Titre 1"/>
+          <p:cNvSpPr>
+            <a:spLocks noGrp="1"/>
+          </p:cNvSpPr>
+          <p:nvPr>
+            <p:ph type="title"/>
+          </p:nvPr>
+        </p:nvSpPr>
+        <p:spPr>
+          <a:xfrm>
+            <a:off x="838200" y="909098"/>
+            <a:ext cx="6696445" cy="1325563"/>
+          </a:xfrm>
+        </p:spPr>
+        <p:txBody>
+          <a:bodyPr>
+            <a:normAutofit/>
+          </a:bodyPr>
+          <a:lstStyle/>
+          <a:p>
+            <a:r>
+              <a:rPr lang="fr-CA" sz="4000" dirty="0"/>
+              <a:t>Présentation des résultats de reconnaissance</a:t>
+            </a:r>
+          </a:p>
+        </p:txBody>
+      </p:sp>
       <p:sp>
         <p:nvSpPr>
           <p:cNvPr id="4" name="Espace réservé du numéro de diapositive 3"/>

--- a/Présentation/Présentation_APP4S4.pptx
+++ b/Présentation/Présentation_APP4S4.pptx
@@ -205,7 +205,7 @@
           <a:p>
             <a:fld id="{1C55CD38-CB08-4A24-847C-D091F9CBB18B}" type="datetimeFigureOut">
               <a:rPr lang="fr-CA" smtClean="0"/>
-              <a:t>2017-06-20</a:t>
+              <a:t>2017-06-21</a:t>
             </a:fld>
             <a:endParaRPr lang="fr-CA"/>
           </a:p>
@@ -604,7 +604,7 @@
           <a:p>
             <a:fld id="{52BBA55B-F4C0-4B27-AE96-C8DFD7019907}" type="datetime1">
               <a:rPr lang="fr-CA" smtClean="0"/>
-              <a:t>2017-06-20</a:t>
+              <a:t>2017-06-21</a:t>
             </a:fld>
             <a:endParaRPr lang="fr-CA"/>
           </a:p>
@@ -774,7 +774,7 @@
           <a:p>
             <a:fld id="{57AAE415-9453-43C0-A278-F69B4E4F0C7A}" type="datetime1">
               <a:rPr lang="fr-CA" smtClean="0"/>
-              <a:t>2017-06-20</a:t>
+              <a:t>2017-06-21</a:t>
             </a:fld>
             <a:endParaRPr lang="fr-CA"/>
           </a:p>
@@ -954,7 +954,7 @@
           <a:p>
             <a:fld id="{02180420-BE52-4C86-9C74-8A7572DCF387}" type="datetime1">
               <a:rPr lang="fr-CA" smtClean="0"/>
-              <a:t>2017-06-20</a:t>
+              <a:t>2017-06-21</a:t>
             </a:fld>
             <a:endParaRPr lang="fr-CA"/>
           </a:p>
@@ -1124,7 +1124,7 @@
           <a:p>
             <a:fld id="{90AD1AD8-56F8-494C-B7CA-F39AF89BF9BE}" type="datetime1">
               <a:rPr lang="fr-CA" smtClean="0"/>
-              <a:t>2017-06-20</a:t>
+              <a:t>2017-06-21</a:t>
             </a:fld>
             <a:endParaRPr lang="fr-CA"/>
           </a:p>
@@ -1370,7 +1370,7 @@
           <a:p>
             <a:fld id="{4576A088-4C77-4095-A1B1-1658C294805E}" type="datetime1">
               <a:rPr lang="fr-CA" smtClean="0"/>
-              <a:t>2017-06-20</a:t>
+              <a:t>2017-06-21</a:t>
             </a:fld>
             <a:endParaRPr lang="fr-CA"/>
           </a:p>
@@ -1602,7 +1602,7 @@
           <a:p>
             <a:fld id="{B9058CC0-9B4F-4FB8-9D00-39DE1D9FE638}" type="datetime1">
               <a:rPr lang="fr-CA" smtClean="0"/>
-              <a:t>2017-06-20</a:t>
+              <a:t>2017-06-21</a:t>
             </a:fld>
             <a:endParaRPr lang="fr-CA"/>
           </a:p>
@@ -1969,7 +1969,7 @@
           <a:p>
             <a:fld id="{F4F65949-913B-4934-BD5D-753EBF441788}" type="datetime1">
               <a:rPr lang="fr-CA" smtClean="0"/>
-              <a:t>2017-06-20</a:t>
+              <a:t>2017-06-21</a:t>
             </a:fld>
             <a:endParaRPr lang="fr-CA"/>
           </a:p>
@@ -2087,7 +2087,7 @@
           <a:p>
             <a:fld id="{CE5F6B2A-3AA1-4CE1-8FD7-18AA4E8F8D3C}" type="datetime1">
               <a:rPr lang="fr-CA" smtClean="0"/>
-              <a:t>2017-06-20</a:t>
+              <a:t>2017-06-21</a:t>
             </a:fld>
             <a:endParaRPr lang="fr-CA"/>
           </a:p>
@@ -2182,7 +2182,7 @@
           <a:p>
             <a:fld id="{6EFBFED3-770B-499F-9180-65C1757E9938}" type="datetime1">
               <a:rPr lang="fr-CA" smtClean="0"/>
-              <a:t>2017-06-20</a:t>
+              <a:t>2017-06-21</a:t>
             </a:fld>
             <a:endParaRPr lang="fr-CA"/>
           </a:p>
@@ -2459,7 +2459,7 @@
           <a:p>
             <a:fld id="{7D459A6E-A9EB-4909-A52C-4E8E9F0C1C56}" type="datetime1">
               <a:rPr lang="fr-CA" smtClean="0"/>
-              <a:t>2017-06-20</a:t>
+              <a:t>2017-06-21</a:t>
             </a:fld>
             <a:endParaRPr lang="fr-CA"/>
           </a:p>
@@ -2712,7 +2712,7 @@
           <a:p>
             <a:fld id="{E717396C-4E9A-44C4-B687-E3D0A7E04752}" type="datetime1">
               <a:rPr lang="fr-CA" smtClean="0"/>
-              <a:t>2017-06-20</a:t>
+              <a:t>2017-06-21</a:t>
             </a:fld>
             <a:endParaRPr lang="fr-CA"/>
           </a:p>
@@ -2925,7 +2925,7 @@
           <a:p>
             <a:fld id="{FF907329-49B3-44D4-8960-1DF3ADCEE99C}" type="datetime1">
               <a:rPr lang="fr-CA" smtClean="0"/>
-              <a:t>2017-06-20</a:t>
+              <a:t>2017-06-21</a:t>
             </a:fld>
             <a:endParaRPr lang="fr-CA"/>
           </a:p>
@@ -4973,6 +4973,122 @@
           </a:xfrm>
         </p:spPr>
       </p:pic>
+      <p:sp>
+        <p:nvSpPr>
+          <p:cNvPr id="3" name="ZoneTexte 2"/>
+          <p:cNvSpPr txBox="1"/>
+          <p:nvPr/>
+        </p:nvSpPr>
+        <p:spPr>
+          <a:xfrm>
+            <a:off x="10115961" y="2214973"/>
+            <a:ext cx="1303562" cy="246221"/>
+          </a:xfrm>
+          <a:prstGeom prst="rect">
+            <a:avLst/>
+          </a:prstGeom>
+          <a:noFill/>
+        </p:spPr>
+        <p:txBody>
+          <a:bodyPr wrap="none" rtlCol="0">
+            <a:spAutoFit/>
+          </a:bodyPr>
+          <a:lstStyle/>
+          <a:p>
+            <a:r>
+              <a:rPr lang="fr-CA" sz="1000" dirty="0"/>
+              <a:t>RMS </a:t>
+            </a:r>
+            <a:r>
+              <a:rPr lang="fr-CA" sz="1000" dirty="0" err="1"/>
+              <a:t>spline</a:t>
+            </a:r>
+            <a:r>
+              <a:rPr lang="fr-CA" sz="1000" dirty="0"/>
+              <a:t> 1 </a:t>
+            </a:r>
+            <a:r>
+              <a:rPr lang="fr-CA" sz="1000"/>
+              <a:t>: 0,0020</a:t>
+            </a:r>
+            <a:endParaRPr lang="fr-CA" sz="1000" dirty="0"/>
+          </a:p>
+        </p:txBody>
+      </p:sp>
+      <p:sp>
+        <p:nvSpPr>
+          <p:cNvPr id="8" name="ZoneTexte 7"/>
+          <p:cNvSpPr txBox="1"/>
+          <p:nvPr/>
+        </p:nvSpPr>
+        <p:spPr>
+          <a:xfrm>
+            <a:off x="10140547" y="3848081"/>
+            <a:ext cx="1303562" cy="246221"/>
+          </a:xfrm>
+          <a:prstGeom prst="rect">
+            <a:avLst/>
+          </a:prstGeom>
+          <a:noFill/>
+        </p:spPr>
+        <p:txBody>
+          <a:bodyPr wrap="none" rtlCol="0">
+            <a:spAutoFit/>
+          </a:bodyPr>
+          <a:lstStyle/>
+          <a:p>
+            <a:r>
+              <a:rPr lang="fr-CA" sz="1000" dirty="0"/>
+              <a:t>RMS </a:t>
+            </a:r>
+            <a:r>
+              <a:rPr lang="fr-CA" sz="1000" dirty="0" err="1"/>
+              <a:t>spline</a:t>
+            </a:r>
+            <a:r>
+              <a:rPr lang="fr-CA" sz="1000" dirty="0"/>
+              <a:t> 2 : 0,0025</a:t>
+            </a:r>
+          </a:p>
+        </p:txBody>
+      </p:sp>
+      <p:sp>
+        <p:nvSpPr>
+          <p:cNvPr id="9" name="ZoneTexte 8"/>
+          <p:cNvSpPr txBox="1"/>
+          <p:nvPr/>
+        </p:nvSpPr>
+        <p:spPr>
+          <a:xfrm>
+            <a:off x="10115961" y="5481190"/>
+            <a:ext cx="1303562" cy="246221"/>
+          </a:xfrm>
+          <a:prstGeom prst="rect">
+            <a:avLst/>
+          </a:prstGeom>
+          <a:noFill/>
+        </p:spPr>
+        <p:txBody>
+          <a:bodyPr wrap="none" rtlCol="0">
+            <a:spAutoFit/>
+          </a:bodyPr>
+          <a:lstStyle/>
+          <a:p>
+            <a:r>
+              <a:rPr lang="fr-CA" sz="1000" dirty="0"/>
+              <a:t>RMS </a:t>
+            </a:r>
+            <a:r>
+              <a:rPr lang="fr-CA" sz="1000" dirty="0" err="1"/>
+              <a:t>spline</a:t>
+            </a:r>
+            <a:r>
+              <a:rPr lang="fr-CA" sz="1000" dirty="0"/>
+              <a:t> 3 : 0,0043</a:t>
+            </a:r>
+          </a:p>
+        </p:txBody>
+      </p:sp>
     </p:spTree>
     <p:extLst>
       <p:ext uri="{BB962C8B-B14F-4D97-AF65-F5344CB8AC3E}">
